--- a/ThesisPresentation.pptx
+++ b/ThesisPresentation.pptx
@@ -22,7 +22,7 @@
     <p:sldId id="282" r:id="rId13"/>
   </p:sldIdLst>
   <p:sldSz cx="12192000" cy="6858000"/>
-  <p:notesSz cx="6858000" cy="9144000"/>
+  <p:notesSz cx="7010400" cy="9296400"/>
   <p:defaultTextStyle>
     <a:defPPr>
       <a:defRPr lang="en-US"/>
@@ -187,14 +187,14 @@
         <p:spPr>
           <a:xfrm>
             <a:off x="0" y="0"/>
-            <a:ext cx="2971800" cy="458788"/>
+            <a:ext cx="3037840" cy="466434"/>
           </a:xfrm>
           <a:prstGeom prst="rect">
             <a:avLst/>
           </a:prstGeom>
         </p:spPr>
         <p:txBody>
-          <a:bodyPr vert="horz" lIns="91440" tIns="45720" rIns="91440" bIns="45720" rtlCol="0"/>
+          <a:bodyPr vert="horz" lIns="93172" tIns="46587" rIns="93172" bIns="46587" rtlCol="0"/>
           <a:lstStyle>
             <a:lvl1pPr algn="l">
               <a:defRPr sz="1200"/>
@@ -223,15 +223,15 @@
         </p:nvSpPr>
         <p:spPr>
           <a:xfrm>
-            <a:off x="3884613" y="0"/>
-            <a:ext cx="2971800" cy="458788"/>
+            <a:off x="3970938" y="0"/>
+            <a:ext cx="3037840" cy="466434"/>
           </a:xfrm>
           <a:prstGeom prst="rect">
             <a:avLst/>
           </a:prstGeom>
         </p:spPr>
         <p:txBody>
-          <a:bodyPr vert="horz" lIns="91440" tIns="45720" rIns="91440" bIns="45720" rtlCol="0"/>
+          <a:bodyPr vert="horz" lIns="93172" tIns="46587" rIns="93172" bIns="46587" rtlCol="0"/>
           <a:lstStyle>
             <a:lvl1pPr algn="r">
               <a:defRPr sz="1200"/>
@@ -240,7 +240,7 @@
           <a:p>
             <a:fld id="{B56F32FC-4BD9-442A-A8C6-51598C909FE3}" type="datetimeFigureOut">
               <a:rPr lang="en-US" smtClean="0"/>
-              <a:t>12/1/2021</a:t>
+              <a:t>12/2/2021</a:t>
             </a:fld>
             <a:endParaRPr lang="en-US" dirty="0"/>
           </a:p>
@@ -264,15 +264,15 @@
         </p:nvSpPr>
         <p:spPr>
           <a:xfrm>
-            <a:off x="0" y="8685213"/>
-            <a:ext cx="2971800" cy="458787"/>
+            <a:off x="0" y="8829968"/>
+            <a:ext cx="3037840" cy="466433"/>
           </a:xfrm>
           <a:prstGeom prst="rect">
             <a:avLst/>
           </a:prstGeom>
         </p:spPr>
         <p:txBody>
-          <a:bodyPr vert="horz" lIns="91440" tIns="45720" rIns="91440" bIns="45720" rtlCol="0" anchor="b"/>
+          <a:bodyPr vert="horz" lIns="93172" tIns="46587" rIns="93172" bIns="46587" rtlCol="0" anchor="b"/>
           <a:lstStyle>
             <a:lvl1pPr algn="l">
               <a:defRPr sz="1200"/>
@@ -301,15 +301,15 @@
         </p:nvSpPr>
         <p:spPr>
           <a:xfrm>
-            <a:off x="3884613" y="8685213"/>
-            <a:ext cx="2971800" cy="458787"/>
+            <a:off x="3970938" y="8829968"/>
+            <a:ext cx="3037840" cy="466433"/>
           </a:xfrm>
           <a:prstGeom prst="rect">
             <a:avLst/>
           </a:prstGeom>
         </p:spPr>
         <p:txBody>
-          <a:bodyPr vert="horz" lIns="91440" tIns="45720" rIns="91440" bIns="45720" rtlCol="0" anchor="b"/>
+          <a:bodyPr vert="horz" lIns="93172" tIns="46587" rIns="93172" bIns="46587" rtlCol="0" anchor="b"/>
           <a:lstStyle>
             <a:lvl1pPr algn="r">
               <a:defRPr sz="1200"/>
@@ -370,14 +370,14 @@
         <p:spPr>
           <a:xfrm>
             <a:off x="0" y="0"/>
-            <a:ext cx="2971800" cy="458788"/>
+            <a:ext cx="3037840" cy="466434"/>
           </a:xfrm>
           <a:prstGeom prst="rect">
             <a:avLst/>
           </a:prstGeom>
         </p:spPr>
         <p:txBody>
-          <a:bodyPr vert="horz" lIns="91440" tIns="45720" rIns="91440" bIns="45720" rtlCol="0"/>
+          <a:bodyPr vert="horz" lIns="93172" tIns="46587" rIns="93172" bIns="46587" rtlCol="0"/>
           <a:lstStyle>
             <a:lvl1pPr algn="l">
               <a:defRPr sz="1200"/>
@@ -400,15 +400,15 @@
         </p:nvSpPr>
         <p:spPr>
           <a:xfrm>
-            <a:off x="3884613" y="0"/>
-            <a:ext cx="2971800" cy="458788"/>
+            <a:off x="3970938" y="0"/>
+            <a:ext cx="3037840" cy="466434"/>
           </a:xfrm>
           <a:prstGeom prst="rect">
             <a:avLst/>
           </a:prstGeom>
         </p:spPr>
         <p:txBody>
-          <a:bodyPr vert="horz" lIns="91440" tIns="45720" rIns="91440" bIns="45720" rtlCol="0"/>
+          <a:bodyPr vert="horz" lIns="93172" tIns="46587" rIns="93172" bIns="46587" rtlCol="0"/>
           <a:lstStyle>
             <a:lvl1pPr algn="r">
               <a:defRPr sz="1200"/>
@@ -417,7 +417,7 @@
           <a:p>
             <a:fld id="{056371FA-A98D-41E8-93F4-09945841298A}" type="datetimeFigureOut">
               <a:rPr lang="en-US" smtClean="0"/>
-              <a:t>12/1/2021</a:t>
+              <a:t>12/2/2021</a:t>
             </a:fld>
             <a:endParaRPr lang="en-US" dirty="0"/>
           </a:p>
@@ -435,8 +435,8 @@
         </p:nvSpPr>
         <p:spPr>
           <a:xfrm>
-            <a:off x="685800" y="1143000"/>
-            <a:ext cx="5486400" cy="3086100"/>
+            <a:off x="717550" y="1162050"/>
+            <a:ext cx="5575300" cy="3136900"/>
           </a:xfrm>
           <a:prstGeom prst="rect">
             <a:avLst/>
@@ -449,7 +449,7 @@
           </a:ln>
         </p:spPr>
         <p:txBody>
-          <a:bodyPr vert="horz" lIns="91440" tIns="45720" rIns="91440" bIns="45720" rtlCol="0" anchor="ctr"/>
+          <a:bodyPr vert="horz" lIns="93172" tIns="46587" rIns="93172" bIns="46587" rtlCol="0" anchor="ctr"/>
           <a:lstStyle/>
           <a:p>
             <a:endParaRPr lang="en-US" dirty="0"/>
@@ -468,15 +468,15 @@
         </p:nvSpPr>
         <p:spPr>
           <a:xfrm>
-            <a:off x="685800" y="4400550"/>
-            <a:ext cx="5486400" cy="3600450"/>
+            <a:off x="701040" y="4473892"/>
+            <a:ext cx="5608320" cy="3660458"/>
           </a:xfrm>
           <a:prstGeom prst="rect">
             <a:avLst/>
           </a:prstGeom>
         </p:spPr>
         <p:txBody>
-          <a:bodyPr vert="horz" lIns="91440" tIns="45720" rIns="91440" bIns="45720" rtlCol="0"/>
+          <a:bodyPr vert="horz" lIns="93172" tIns="46587" rIns="93172" bIns="46587" rtlCol="0"/>
           <a:lstStyle/>
           <a:p>
             <a:pPr lvl="0"/>
@@ -527,15 +527,15 @@
         </p:nvSpPr>
         <p:spPr>
           <a:xfrm>
-            <a:off x="0" y="8685213"/>
-            <a:ext cx="2971800" cy="458787"/>
+            <a:off x="0" y="8829968"/>
+            <a:ext cx="3037840" cy="466433"/>
           </a:xfrm>
           <a:prstGeom prst="rect">
             <a:avLst/>
           </a:prstGeom>
         </p:spPr>
         <p:txBody>
-          <a:bodyPr vert="horz" lIns="91440" tIns="45720" rIns="91440" bIns="45720" rtlCol="0" anchor="b"/>
+          <a:bodyPr vert="horz" lIns="93172" tIns="46587" rIns="93172" bIns="46587" rtlCol="0" anchor="b"/>
           <a:lstStyle>
             <a:lvl1pPr algn="l">
               <a:defRPr sz="1200"/>
@@ -558,15 +558,15 @@
         </p:nvSpPr>
         <p:spPr>
           <a:xfrm>
-            <a:off x="3884613" y="8685213"/>
-            <a:ext cx="2971800" cy="458787"/>
+            <a:off x="3970938" y="8829968"/>
+            <a:ext cx="3037840" cy="466433"/>
           </a:xfrm>
           <a:prstGeom prst="rect">
             <a:avLst/>
           </a:prstGeom>
         </p:spPr>
         <p:txBody>
-          <a:bodyPr vert="horz" lIns="91440" tIns="45720" rIns="91440" bIns="45720" rtlCol="0" anchor="b"/>
+          <a:bodyPr vert="horz" lIns="93172" tIns="46587" rIns="93172" bIns="46587" rtlCol="0" anchor="b"/>
           <a:lstStyle>
             <a:lvl1pPr algn="r">
               <a:defRPr sz="1200"/>
@@ -11725,8 +11725,8 @@
           </p:spPr>
         </p:pic>
       </p:grpSp>
-      <mc:AlternateContent xmlns:mc="http://schemas.openxmlformats.org/markup-compatibility/2006">
-        <mc:Choice xmlns:a14="http://schemas.microsoft.com/office/drawing/2010/main" Requires="a14">
+      <mc:AlternateContent xmlns:mc="http://schemas.openxmlformats.org/markup-compatibility/2006" xmlns:a14="http://schemas.microsoft.com/office/drawing/2010/main">
+        <mc:Choice Requires="a14">
           <p:sp>
             <p:nvSpPr>
               <p:cNvPr id="22" name="Content Placeholder 3">
@@ -13026,7 +13026,7 @@
             </p:txBody>
           </p:sp>
         </mc:Choice>
-        <mc:Fallback>
+        <mc:Fallback xmlns="">
           <p:sp>
             <p:nvSpPr>
               <p:cNvPr id="22" name="Content Placeholder 3">
@@ -13403,14 +13403,7 @@
               </a:lnSpc>
             </a:pPr>
             <a:r>
-              <a:rPr lang="en-US" sz="1400" spc="50" dirty="0">
-                <a:solidFill>
-                  <a:schemeClr val="tx1">
-                    <a:lumMod val="50000"/>
-                    <a:lumOff val="50000"/>
-                  </a:schemeClr>
-                </a:solidFill>
-              </a:rPr>
+              <a:rPr lang="en-US" sz="1400" spc="50" dirty="0"/>
               <a:t>Ridge Regression</a:t>
             </a:r>
           </a:p>
@@ -13421,14 +13414,7 @@
               </a:lnSpc>
             </a:pPr>
             <a:r>
-              <a:rPr lang="en-US" sz="1400" spc="50" dirty="0">
-                <a:solidFill>
-                  <a:schemeClr val="tx1">
-                    <a:lumMod val="50000"/>
-                    <a:lumOff val="50000"/>
-                  </a:schemeClr>
-                </a:solidFill>
-              </a:rPr>
+              <a:rPr lang="en-US" sz="1400" spc="50" dirty="0"/>
               <a:t>Lasso Regression</a:t>
             </a:r>
           </a:p>
@@ -13498,8 +13484,8 @@
           </a:p>
         </p:txBody>
       </p:sp>
-      <mc:AlternateContent xmlns:mc="http://schemas.openxmlformats.org/markup-compatibility/2006">
-        <mc:Choice xmlns:a14="http://schemas.microsoft.com/office/drawing/2010/main" Requires="a14">
+      <mc:AlternateContent xmlns:mc="http://schemas.openxmlformats.org/markup-compatibility/2006" xmlns:a14="http://schemas.microsoft.com/office/drawing/2010/main">
+        <mc:Choice Requires="a14">
           <p:sp>
             <p:nvSpPr>
               <p:cNvPr id="12" name="Content Placeholder 3">
@@ -13890,7 +13876,7 @@
             </p:txBody>
           </p:sp>
         </mc:Choice>
-        <mc:Fallback>
+        <mc:Fallback xmlns="">
           <p:sp>
             <p:nvSpPr>
               <p:cNvPr id="12" name="Content Placeholder 3">
@@ -15967,6 +15953,25 @@
 </file>
 
 <file path=customXml/item2.xml><?xml version="1.0" encoding="utf-8"?>
+<p:properties xmlns:p="http://schemas.microsoft.com/office/2006/metadata/properties" xmlns:xsi="http://www.w3.org/2001/XMLSchema-instance" xmlns:pc="http://schemas.microsoft.com/office/infopath/2007/PartnerControls">
+  <documentManagement>
+    <_ip_UnifiedCompliancePolicyUIAction xmlns="http://schemas.microsoft.com/sharepoint/v3" xsi:nil="true"/>
+    <Image xmlns="71af3243-3dd4-4a8d-8c0d-dd76da1f02a5">
+      <Url xsi:nil="true"/>
+      <Description xsi:nil="true"/>
+    </Image>
+    <Status xmlns="71af3243-3dd4-4a8d-8c0d-dd76da1f02a5">Not started</Status>
+    <_ip_UnifiedCompliancePolicyProperties xmlns="http://schemas.microsoft.com/sharepoint/v3" xsi:nil="true"/>
+    <ImageTagsTaxHTField xmlns="71af3243-3dd4-4a8d-8c0d-dd76da1f02a5">
+      <Terms xmlns="http://schemas.microsoft.com/office/infopath/2007/PartnerControls"/>
+    </ImageTagsTaxHTField>
+    <TaxCatchAll xmlns="230e9df3-be65-4c73-a93b-d1236ebd677e"/>
+    <MediaServiceKeyPoints xmlns="71af3243-3dd4-4a8d-8c0d-dd76da1f02a5" xsi:nil="true"/>
+  </documentManagement>
+</p:properties>
+</file>
+
+<file path=customXml/item3.xml><?xml version="1.0" encoding="utf-8"?>
 <ct:contentTypeSchema xmlns:ct="http://schemas.microsoft.com/office/2006/metadata/contentType" xmlns:ma="http://schemas.microsoft.com/office/2006/metadata/properties/metaAttributes" ct:_="" ma:_="" ma:contentTypeName="Document" ma:contentTypeID="0x01010079F111ED35F8CC479449609E8A0923A6" ma:contentTypeVersion="20" ma:contentTypeDescription="Create a new document." ma:contentTypeScope="" ma:versionID="1267097ee5f5874adfcc408041ae252e">
   <xsd:schema xmlns:xsd="http://www.w3.org/2001/XMLSchema" xmlns:xs="http://www.w3.org/2001/XMLSchema" xmlns:p="http://schemas.microsoft.com/office/2006/metadata/properties" xmlns:ns1="http://schemas.microsoft.com/sharepoint/v3" xmlns:ns2="71af3243-3dd4-4a8d-8c0d-dd76da1f02a5" xmlns:ns3="16c05727-aa75-4e4a-9b5f-8a80a1165891" xmlns:ns4="230e9df3-be65-4c73-a93b-d1236ebd677e" targetNamespace="http://schemas.microsoft.com/office/2006/metadata/properties" ma:root="true" ma:fieldsID="395891a93df65b14727750f2c06c306c" ns1:_="" ns2:_="" ns3:_="" ns4:_="">
     <xsd:import namespace="http://schemas.microsoft.com/sharepoint/v3"/>
@@ -16242,25 +16247,6 @@
 </ct:contentTypeSchema>
 </file>
 
-<file path=customXml/item3.xml><?xml version="1.0" encoding="utf-8"?>
-<p:properties xmlns:p="http://schemas.microsoft.com/office/2006/metadata/properties" xmlns:xsi="http://www.w3.org/2001/XMLSchema-instance" xmlns:pc="http://schemas.microsoft.com/office/infopath/2007/PartnerControls">
-  <documentManagement>
-    <_ip_UnifiedCompliancePolicyUIAction xmlns="http://schemas.microsoft.com/sharepoint/v3" xsi:nil="true"/>
-    <Image xmlns="71af3243-3dd4-4a8d-8c0d-dd76da1f02a5">
-      <Url xsi:nil="true"/>
-      <Description xsi:nil="true"/>
-    </Image>
-    <Status xmlns="71af3243-3dd4-4a8d-8c0d-dd76da1f02a5">Not started</Status>
-    <_ip_UnifiedCompliancePolicyProperties xmlns="http://schemas.microsoft.com/sharepoint/v3" xsi:nil="true"/>
-    <ImageTagsTaxHTField xmlns="71af3243-3dd4-4a8d-8c0d-dd76da1f02a5">
-      <Terms xmlns="http://schemas.microsoft.com/office/infopath/2007/PartnerControls"/>
-    </ImageTagsTaxHTField>
-    <TaxCatchAll xmlns="230e9df3-be65-4c73-a93b-d1236ebd677e"/>
-    <MediaServiceKeyPoints xmlns="71af3243-3dd4-4a8d-8c0d-dd76da1f02a5" xsi:nil="true"/>
-  </documentManagement>
-</p:properties>
-</file>
-
 <file path=customXml/itemProps1.xml><?xml version="1.0" encoding="utf-8"?>
 <ds:datastoreItem xmlns:ds="http://schemas.openxmlformats.org/officeDocument/2006/customXml" ds:itemID="{0FD6FE22-81A0-4500-AFD0-342D21BB9A2C}">
   <ds:schemaRefs>
@@ -16270,6 +16256,25 @@
 </file>
 
 <file path=customXml/itemProps2.xml><?xml version="1.0" encoding="utf-8"?>
+<ds:datastoreItem xmlns:ds="http://schemas.openxmlformats.org/officeDocument/2006/customXml" ds:itemID="{29C43685-694E-4579-B109-3C418D49DA65}">
+  <ds:schemaRefs>
+    <ds:schemaRef ds:uri="http://purl.org/dc/terms/"/>
+    <ds:schemaRef ds:uri="http://schemas.microsoft.com/office/2006/documentManagement/types"/>
+    <ds:schemaRef ds:uri="http://purl.org/dc/elements/1.1/"/>
+    <ds:schemaRef ds:uri="http://schemas.microsoft.com/office/2006/metadata/properties"/>
+    <ds:schemaRef ds:uri="http://purl.org/dc/dcmitype/"/>
+    <ds:schemaRef ds:uri="http://schemas.microsoft.com/office/infopath/2007/PartnerControls"/>
+    <ds:schemaRef ds:uri="http://schemas.openxmlformats.org/package/2006/metadata/core-properties"/>
+    <ds:schemaRef ds:uri="71af3243-3dd4-4a8d-8c0d-dd76da1f02a5"/>
+    <ds:schemaRef ds:uri="230e9df3-be65-4c73-a93b-d1236ebd677e"/>
+    <ds:schemaRef ds:uri="16c05727-aa75-4e4a-9b5f-8a80a1165891"/>
+    <ds:schemaRef ds:uri="http://schemas.microsoft.com/sharepoint/v3"/>
+    <ds:schemaRef ds:uri="http://www.w3.org/XML/1998/namespace"/>
+  </ds:schemaRefs>
+</ds:datastoreItem>
+</file>
+
+<file path=customXml/itemProps3.xml><?xml version="1.0" encoding="utf-8"?>
 <ds:datastoreItem xmlns:ds="http://schemas.openxmlformats.org/officeDocument/2006/customXml" ds:itemID="{CC96B61E-1B64-430F-934F-7D1B90028029}">
   <ds:schemaRefs>
     <ds:schemaRef ds:uri="http://schemas.microsoft.com/office/2006/metadata/contentType"/>
@@ -16290,25 +16295,6 @@
 </ds:datastoreItem>
 </file>
 
-<file path=customXml/itemProps3.xml><?xml version="1.0" encoding="utf-8"?>
-<ds:datastoreItem xmlns:ds="http://schemas.openxmlformats.org/officeDocument/2006/customXml" ds:itemID="{29C43685-694E-4579-B109-3C418D49DA65}">
-  <ds:schemaRefs>
-    <ds:schemaRef ds:uri="http://purl.org/dc/terms/"/>
-    <ds:schemaRef ds:uri="16c05727-aa75-4e4a-9b5f-8a80a1165891"/>
-    <ds:schemaRef ds:uri="http://www.w3.org/XML/1998/namespace"/>
-    <ds:schemaRef ds:uri="230e9df3-be65-4c73-a93b-d1236ebd677e"/>
-    <ds:schemaRef ds:uri="http://schemas.microsoft.com/office/2006/documentManagement/types"/>
-    <ds:schemaRef ds:uri="http://purl.org/dc/elements/1.1/"/>
-    <ds:schemaRef ds:uri="http://schemas.openxmlformats.org/package/2006/metadata/core-properties"/>
-    <ds:schemaRef ds:uri="http://schemas.microsoft.com/office/infopath/2007/PartnerControls"/>
-    <ds:schemaRef ds:uri="71af3243-3dd4-4a8d-8c0d-dd76da1f02a5"/>
-    <ds:schemaRef ds:uri="http://schemas.microsoft.com/sharepoint/v3"/>
-    <ds:schemaRef ds:uri="http://schemas.microsoft.com/office/2006/metadata/properties"/>
-    <ds:schemaRef ds:uri="http://purl.org/dc/dcmitype/"/>
-  </ds:schemaRefs>
-</ds:datastoreItem>
-</file>
-
 <file path=docMetadata/LabelInfo.xml><?xml version="1.0" encoding="utf-8"?>
 <clbl:labelList xmlns:clbl="http://schemas.microsoft.com/office/2020/mipLabelMetadata">
   <clbl:label id="{f42aa342-8706-4288-bd11-ebb85995028c}" enabled="1" method="Standard" siteId="{72f988bf-86f1-41af-91ab-2d7cd011db47}" removed="0"/>

--- a/ThesisPresentation.pptx
+++ b/ThesisPresentation.pptx
@@ -240,7 +240,7 @@
           <a:p>
             <a:fld id="{B56F32FC-4BD9-442A-A8C6-51598C909FE3}" type="datetimeFigureOut">
               <a:rPr lang="en-US" smtClean="0"/>
-              <a:t>12/2/2021</a:t>
+              <a:t>12/7/2021</a:t>
             </a:fld>
             <a:endParaRPr lang="en-US" dirty="0"/>
           </a:p>
@@ -417,7 +417,7 @@
           <a:p>
             <a:fld id="{056371FA-A98D-41E8-93F4-09945841298A}" type="datetimeFigureOut">
               <a:rPr lang="en-US" smtClean="0"/>
-              <a:t>12/2/2021</a:t>
+              <a:t>12/7/2021</a:t>
             </a:fld>
             <a:endParaRPr lang="en-US" dirty="0"/>
           </a:p>
@@ -15944,15 +15944,6 @@
 </file>
 
 <file path=customXml/item1.xml><?xml version="1.0" encoding="utf-8"?>
-<?mso-contentType ?>
-<FormTemplates xmlns="http://schemas.microsoft.com/sharepoint/v3/contenttype/forms">
-  <Display>DocumentLibraryForm</Display>
-  <Edit>DocumentLibraryForm</Edit>
-  <New>DocumentLibraryForm</New>
-</FormTemplates>
-</file>
-
-<file path=customXml/item2.xml><?xml version="1.0" encoding="utf-8"?>
 <p:properties xmlns:p="http://schemas.microsoft.com/office/2006/metadata/properties" xmlns:xsi="http://www.w3.org/2001/XMLSchema-instance" xmlns:pc="http://schemas.microsoft.com/office/infopath/2007/PartnerControls">
   <documentManagement>
     <_ip_UnifiedCompliancePolicyUIAction xmlns="http://schemas.microsoft.com/sharepoint/v3" xsi:nil="true"/>
@@ -15969,6 +15960,15 @@
     <MediaServiceKeyPoints xmlns="71af3243-3dd4-4a8d-8c0d-dd76da1f02a5" xsi:nil="true"/>
   </documentManagement>
 </p:properties>
+</file>
+
+<file path=customXml/item2.xml><?xml version="1.0" encoding="utf-8"?>
+<?mso-contentType ?>
+<FormTemplates xmlns="http://schemas.microsoft.com/sharepoint/v3/contenttype/forms">
+  <Display>DocumentLibraryForm</Display>
+  <Edit>DocumentLibraryForm</Edit>
+  <New>DocumentLibraryForm</New>
+</FormTemplates>
 </file>
 
 <file path=customXml/item3.xml><?xml version="1.0" encoding="utf-8"?>
@@ -16248,14 +16248,6 @@
 </file>
 
 <file path=customXml/itemProps1.xml><?xml version="1.0" encoding="utf-8"?>
-<ds:datastoreItem xmlns:ds="http://schemas.openxmlformats.org/officeDocument/2006/customXml" ds:itemID="{0FD6FE22-81A0-4500-AFD0-342D21BB9A2C}">
-  <ds:schemaRefs>
-    <ds:schemaRef ds:uri="http://schemas.microsoft.com/sharepoint/v3/contenttype/forms"/>
-  </ds:schemaRefs>
-</ds:datastoreItem>
-</file>
-
-<file path=customXml/itemProps2.xml><?xml version="1.0" encoding="utf-8"?>
 <ds:datastoreItem xmlns:ds="http://schemas.openxmlformats.org/officeDocument/2006/customXml" ds:itemID="{29C43685-694E-4579-B109-3C418D49DA65}">
   <ds:schemaRefs>
     <ds:schemaRef ds:uri="http://purl.org/dc/terms/"/>
@@ -16270,6 +16262,14 @@
     <ds:schemaRef ds:uri="16c05727-aa75-4e4a-9b5f-8a80a1165891"/>
     <ds:schemaRef ds:uri="http://schemas.microsoft.com/sharepoint/v3"/>
     <ds:schemaRef ds:uri="http://www.w3.org/XML/1998/namespace"/>
+  </ds:schemaRefs>
+</ds:datastoreItem>
+</file>
+
+<file path=customXml/itemProps2.xml><?xml version="1.0" encoding="utf-8"?>
+<ds:datastoreItem xmlns:ds="http://schemas.openxmlformats.org/officeDocument/2006/customXml" ds:itemID="{0FD6FE22-81A0-4500-AFD0-342D21BB9A2C}">
+  <ds:schemaRefs>
+    <ds:schemaRef ds:uri="http://schemas.microsoft.com/sharepoint/v3/contenttype/forms"/>
   </ds:schemaRefs>
 </ds:datastoreItem>
 </file>
